--- a/Study/7. Visual Studio(2017).pptx
+++ b/Study/7. Visual Studio(2017).pptx
@@ -5,7 +5,7 @@
     <p:sldMasterId id="2147483844" r:id="rId1"/>
   </p:sldMasterIdLst>
   <p:notesMasterIdLst>
-    <p:notesMasterId r:id="rId17"/>
+    <p:notesMasterId r:id="rId16"/>
   </p:notesMasterIdLst>
   <p:sldIdLst>
     <p:sldId id="256" r:id="rId2"/>
@@ -15,14 +15,13 @@
     <p:sldId id="277" r:id="rId6"/>
     <p:sldId id="279" r:id="rId7"/>
     <p:sldId id="280" r:id="rId8"/>
-    <p:sldId id="281" r:id="rId9"/>
-    <p:sldId id="282" r:id="rId10"/>
-    <p:sldId id="283" r:id="rId11"/>
-    <p:sldId id="284" r:id="rId12"/>
-    <p:sldId id="285" r:id="rId13"/>
-    <p:sldId id="286" r:id="rId14"/>
-    <p:sldId id="273" r:id="rId15"/>
-    <p:sldId id="287" r:id="rId16"/>
+    <p:sldId id="282" r:id="rId9"/>
+    <p:sldId id="283" r:id="rId10"/>
+    <p:sldId id="284" r:id="rId11"/>
+    <p:sldId id="285" r:id="rId12"/>
+    <p:sldId id="286" r:id="rId13"/>
+    <p:sldId id="273" r:id="rId14"/>
+    <p:sldId id="287" r:id="rId15"/>
   </p:sldIdLst>
   <p:sldSz cx="12192000" cy="6858000"/>
   <p:notesSz cx="6858000" cy="9144000"/>
@@ -211,7 +210,7 @@
           <a:p>
             <a:fld id="{860F6261-D752-47FA-9360-477C4FC813A0}" type="datetimeFigureOut">
               <a:rPr lang="ko-KR" altLang="en-US" smtClean="0"/>
-              <a:t>2018-12-12</a:t>
+              <a:t>2018-12-14</a:t>
             </a:fld>
             <a:endParaRPr lang="ko-KR" altLang="en-US"/>
           </a:p>
@@ -647,7 +646,7 @@
     </p:spTree>
     <p:extLst>
       <p:ext uri="{BB962C8B-B14F-4D97-AF65-F5344CB8AC3E}">
-        <p14:creationId xmlns:p14="http://schemas.microsoft.com/office/powerpoint/2010/main" val="1818519970"/>
+        <p14:creationId xmlns:p14="http://schemas.microsoft.com/office/powerpoint/2010/main" val="2633602340"/>
       </p:ext>
     </p:extLst>
   </p:cSld>
@@ -742,7 +741,7 @@
     </p:spTree>
     <p:extLst>
       <p:ext uri="{BB962C8B-B14F-4D97-AF65-F5344CB8AC3E}">
-        <p14:creationId xmlns:p14="http://schemas.microsoft.com/office/powerpoint/2010/main" val="2633602340"/>
+        <p14:creationId xmlns:p14="http://schemas.microsoft.com/office/powerpoint/2010/main" val="3066743462"/>
       </p:ext>
     </p:extLst>
   </p:cSld>
@@ -837,7 +836,7 @@
     </p:spTree>
     <p:extLst>
       <p:ext uri="{BB962C8B-B14F-4D97-AF65-F5344CB8AC3E}">
-        <p14:creationId xmlns:p14="http://schemas.microsoft.com/office/powerpoint/2010/main" val="3066743462"/>
+        <p14:creationId xmlns:p14="http://schemas.microsoft.com/office/powerpoint/2010/main" val="1499850690"/>
       </p:ext>
     </p:extLst>
   </p:cSld>
@@ -932,7 +931,7 @@
     </p:spTree>
     <p:extLst>
       <p:ext uri="{BB962C8B-B14F-4D97-AF65-F5344CB8AC3E}">
-        <p14:creationId xmlns:p14="http://schemas.microsoft.com/office/powerpoint/2010/main" val="1499850690"/>
+        <p14:creationId xmlns:p14="http://schemas.microsoft.com/office/powerpoint/2010/main" val="1049635049"/>
       </p:ext>
     </p:extLst>
   </p:cSld>
@@ -1019,101 +1018,6 @@
             <a:fld id="{AF4B4130-2D9F-4E6D-9707-8718AD09D43C}" type="slidenum">
               <a:rPr lang="ko-KR" altLang="en-US" smtClean="0"/>
               <a:t>14</a:t>
-            </a:fld>
-            <a:endParaRPr lang="ko-KR" altLang="en-US"/>
-          </a:p>
-        </p:txBody>
-      </p:sp>
-    </p:spTree>
-    <p:extLst>
-      <p:ext uri="{BB962C8B-B14F-4D97-AF65-F5344CB8AC3E}">
-        <p14:creationId xmlns:p14="http://schemas.microsoft.com/office/powerpoint/2010/main" val="1049635049"/>
-      </p:ext>
-    </p:extLst>
-  </p:cSld>
-  <p:clrMapOvr>
-    <a:masterClrMapping/>
-  </p:clrMapOvr>
-</p:notes>
-</file>
-
-<file path=ppt/notesSlides/notesSlide15.xml><?xml version="1.0" encoding="utf-8"?>
-<p:notes xmlns:a="http://schemas.openxmlformats.org/drawingml/2006/main" xmlns:r="http://schemas.openxmlformats.org/officeDocument/2006/relationships" xmlns:p="http://schemas.openxmlformats.org/presentationml/2006/main">
-  <p:cSld>
-    <p:spTree>
-      <p:nvGrpSpPr>
-        <p:cNvPr id="1" name=""/>
-        <p:cNvGrpSpPr/>
-        <p:nvPr/>
-      </p:nvGrpSpPr>
-      <p:grpSpPr>
-        <a:xfrm>
-          <a:off x="0" y="0"/>
-          <a:ext cx="0" cy="0"/>
-          <a:chOff x="0" y="0"/>
-          <a:chExt cx="0" cy="0"/>
-        </a:xfrm>
-      </p:grpSpPr>
-      <p:sp>
-        <p:nvSpPr>
-          <p:cNvPr id="2" name="슬라이드 이미지 개체 틀 1"/>
-          <p:cNvSpPr>
-            <a:spLocks noGrp="1" noRot="1" noChangeAspect="1"/>
-          </p:cNvSpPr>
-          <p:nvPr>
-            <p:ph type="sldImg"/>
-          </p:nvPr>
-        </p:nvSpPr>
-        <p:spPr/>
-      </p:sp>
-      <p:sp>
-        <p:nvSpPr>
-          <p:cNvPr id="3" name="슬라이드 노트 개체 틀 2"/>
-          <p:cNvSpPr>
-            <a:spLocks noGrp="1"/>
-          </p:cNvSpPr>
-          <p:nvPr>
-            <p:ph type="body" idx="1"/>
-          </p:nvPr>
-        </p:nvSpPr>
-        <p:spPr/>
-        <p:txBody>
-          <a:bodyPr/>
-          <a:lstStyle/>
-          <a:p>
-            <a:pPr marL="0" indent="0">
-              <a:buNone/>
-            </a:pPr>
-            <a:endParaRPr lang="en-US" altLang="ko-KR" sz="1200" b="0" i="0" kern="1200" dirty="0">
-              <a:solidFill>
-                <a:schemeClr val="tx1"/>
-              </a:solidFill>
-              <a:effectLst/>
-              <a:latin typeface="+mn-lt"/>
-              <a:ea typeface="+mn-ea"/>
-              <a:cs typeface="+mn-cs"/>
-            </a:endParaRPr>
-          </a:p>
-        </p:txBody>
-      </p:sp>
-      <p:sp>
-        <p:nvSpPr>
-          <p:cNvPr id="4" name="슬라이드 번호 개체 틀 3"/>
-          <p:cNvSpPr>
-            <a:spLocks noGrp="1"/>
-          </p:cNvSpPr>
-          <p:nvPr>
-            <p:ph type="sldNum" sz="quarter" idx="5"/>
-          </p:nvPr>
-        </p:nvSpPr>
-        <p:spPr/>
-        <p:txBody>
-          <a:bodyPr/>
-          <a:lstStyle/>
-          <a:p>
-            <a:fld id="{AF4B4130-2D9F-4E6D-9707-8718AD09D43C}" type="slidenum">
-              <a:rPr lang="ko-KR" altLang="en-US" smtClean="0"/>
-              <a:t>15</a:t>
             </a:fld>
             <a:endParaRPr lang="ko-KR" altLang="en-US"/>
           </a:p>
@@ -1787,7 +1691,7 @@
     </p:spTree>
     <p:extLst>
       <p:ext uri="{BB962C8B-B14F-4D97-AF65-F5344CB8AC3E}">
-        <p14:creationId xmlns:p14="http://schemas.microsoft.com/office/powerpoint/2010/main" val="4165793309"/>
+        <p14:creationId xmlns:p14="http://schemas.microsoft.com/office/powerpoint/2010/main" val="3337809096"/>
       </p:ext>
     </p:extLst>
   </p:cSld>
@@ -1882,7 +1786,7 @@
     </p:spTree>
     <p:extLst>
       <p:ext uri="{BB962C8B-B14F-4D97-AF65-F5344CB8AC3E}">
-        <p14:creationId xmlns:p14="http://schemas.microsoft.com/office/powerpoint/2010/main" val="3337809096"/>
+        <p14:creationId xmlns:p14="http://schemas.microsoft.com/office/powerpoint/2010/main" val="1818519970"/>
       </p:ext>
     </p:extLst>
   </p:cSld>
@@ -2023,7 +1927,7 @@
           <a:p>
             <a:fld id="{7375CF92-EF9A-4E7C-8197-9037C088131F}" type="datetimeFigureOut">
               <a:rPr lang="ko-KR" altLang="en-US" smtClean="0"/>
-              <a:t>2018-12-12</a:t>
+              <a:t>2018-12-14</a:t>
             </a:fld>
             <a:endParaRPr lang="ko-KR" altLang="en-US"/>
           </a:p>
@@ -2193,7 +2097,7 @@
           <a:p>
             <a:fld id="{7375CF92-EF9A-4E7C-8197-9037C088131F}" type="datetimeFigureOut">
               <a:rPr lang="ko-KR" altLang="en-US" smtClean="0"/>
-              <a:t>2018-12-12</a:t>
+              <a:t>2018-12-14</a:t>
             </a:fld>
             <a:endParaRPr lang="ko-KR" altLang="en-US"/>
           </a:p>
@@ -2373,7 +2277,7 @@
           <a:p>
             <a:fld id="{7375CF92-EF9A-4E7C-8197-9037C088131F}" type="datetimeFigureOut">
               <a:rPr lang="ko-KR" altLang="en-US" smtClean="0"/>
-              <a:t>2018-12-12</a:t>
+              <a:t>2018-12-14</a:t>
             </a:fld>
             <a:endParaRPr lang="ko-KR" altLang="en-US"/>
           </a:p>
@@ -2543,7 +2447,7 @@
           <a:p>
             <a:fld id="{7375CF92-EF9A-4E7C-8197-9037C088131F}" type="datetimeFigureOut">
               <a:rPr lang="ko-KR" altLang="en-US" smtClean="0"/>
-              <a:t>2018-12-12</a:t>
+              <a:t>2018-12-14</a:t>
             </a:fld>
             <a:endParaRPr lang="ko-KR" altLang="en-US"/>
           </a:p>
@@ -2789,7 +2693,7 @@
           <a:p>
             <a:fld id="{7375CF92-EF9A-4E7C-8197-9037C088131F}" type="datetimeFigureOut">
               <a:rPr lang="ko-KR" altLang="en-US" smtClean="0"/>
-              <a:t>2018-12-12</a:t>
+              <a:t>2018-12-14</a:t>
             </a:fld>
             <a:endParaRPr lang="ko-KR" altLang="en-US"/>
           </a:p>
@@ -3021,7 +2925,7 @@
           <a:p>
             <a:fld id="{7375CF92-EF9A-4E7C-8197-9037C088131F}" type="datetimeFigureOut">
               <a:rPr lang="ko-KR" altLang="en-US" smtClean="0"/>
-              <a:t>2018-12-12</a:t>
+              <a:t>2018-12-14</a:t>
             </a:fld>
             <a:endParaRPr lang="ko-KR" altLang="en-US"/>
           </a:p>
@@ -3388,7 +3292,7 @@
           <a:p>
             <a:fld id="{7375CF92-EF9A-4E7C-8197-9037C088131F}" type="datetimeFigureOut">
               <a:rPr lang="ko-KR" altLang="en-US" smtClean="0"/>
-              <a:t>2018-12-12</a:t>
+              <a:t>2018-12-14</a:t>
             </a:fld>
             <a:endParaRPr lang="ko-KR" altLang="en-US"/>
           </a:p>
@@ -3506,7 +3410,7 @@
           <a:p>
             <a:fld id="{7375CF92-EF9A-4E7C-8197-9037C088131F}" type="datetimeFigureOut">
               <a:rPr lang="ko-KR" altLang="en-US" smtClean="0"/>
-              <a:t>2018-12-12</a:t>
+              <a:t>2018-12-14</a:t>
             </a:fld>
             <a:endParaRPr lang="ko-KR" altLang="en-US"/>
           </a:p>
@@ -3601,7 +3505,7 @@
           <a:p>
             <a:fld id="{7375CF92-EF9A-4E7C-8197-9037C088131F}" type="datetimeFigureOut">
               <a:rPr lang="ko-KR" altLang="en-US" smtClean="0"/>
-              <a:t>2018-12-12</a:t>
+              <a:t>2018-12-14</a:t>
             </a:fld>
             <a:endParaRPr lang="ko-KR" altLang="en-US"/>
           </a:p>
@@ -3878,7 +3782,7 @@
           <a:p>
             <a:fld id="{7375CF92-EF9A-4E7C-8197-9037C088131F}" type="datetimeFigureOut">
               <a:rPr lang="ko-KR" altLang="en-US" smtClean="0"/>
-              <a:t>2018-12-12</a:t>
+              <a:t>2018-12-14</a:t>
             </a:fld>
             <a:endParaRPr lang="ko-KR" altLang="en-US"/>
           </a:p>
@@ -4135,7 +4039,7 @@
           <a:p>
             <a:fld id="{7375CF92-EF9A-4E7C-8197-9037C088131F}" type="datetimeFigureOut">
               <a:rPr lang="ko-KR" altLang="en-US" smtClean="0"/>
-              <a:t>2018-12-12</a:t>
+              <a:t>2018-12-14</a:t>
             </a:fld>
             <a:endParaRPr lang="ko-KR" altLang="en-US"/>
           </a:p>
@@ -4348,7 +4252,7 @@
           <a:p>
             <a:fld id="{7375CF92-EF9A-4E7C-8197-9037C088131F}" type="datetimeFigureOut">
               <a:rPr lang="ko-KR" altLang="en-US" smtClean="0"/>
-              <a:t>2018-12-12</a:t>
+              <a:t>2018-12-14</a:t>
             </a:fld>
             <a:endParaRPr lang="ko-KR" altLang="en-US"/>
           </a:p>
@@ -4961,472 +4865,6 @@
         <p:spPr>
           <a:xfrm>
             <a:off x="1704513" y="620822"/>
-            <a:ext cx="2938625" cy="400110"/>
-          </a:xfrm>
-          <a:prstGeom prst="rect">
-            <a:avLst/>
-          </a:prstGeom>
-          <a:noFill/>
-        </p:spPr>
-        <p:txBody>
-          <a:bodyPr wrap="none" rtlCol="0">
-            <a:spAutoFit/>
-          </a:bodyPr>
-          <a:lstStyle/>
-          <a:p>
-            <a:r>
-              <a:rPr lang="en-US" altLang="ko-KR" sz="2000" dirty="0"/>
-              <a:t>2017</a:t>
-            </a:r>
-            <a:r>
-              <a:rPr lang="ko-KR" altLang="en-US" sz="2000" dirty="0"/>
-              <a:t>버전의 달라진 점 </a:t>
-            </a:r>
-            <a:r>
-              <a:rPr lang="en-US" altLang="ko-KR" sz="2000" dirty="0"/>
-              <a:t>- 6</a:t>
-            </a:r>
-            <a:endParaRPr lang="ko-KR" altLang="en-US" sz="2000" dirty="0"/>
-          </a:p>
-        </p:txBody>
-      </p:sp>
-      <p:sp>
-        <p:nvSpPr>
-          <p:cNvPr id="7" name="직사각형 6">
-            <a:extLst>
-              <a:ext uri="{FF2B5EF4-FFF2-40B4-BE49-F238E27FC236}">
-                <a16:creationId xmlns:a16="http://schemas.microsoft.com/office/drawing/2014/main" id="{B53D20DB-D2BC-478F-BF9E-C1FA7D8A7478}"/>
-              </a:ext>
-            </a:extLst>
-          </p:cNvPr>
-          <p:cNvSpPr/>
-          <p:nvPr/>
-        </p:nvSpPr>
-        <p:spPr>
-          <a:xfrm>
-            <a:off x="1586143" y="6121769"/>
-            <a:ext cx="9268287" cy="115409"/>
-          </a:xfrm>
-          <a:prstGeom prst="rect">
-            <a:avLst/>
-          </a:prstGeom>
-        </p:spPr>
-        <p:style>
-          <a:lnRef idx="2">
-            <a:schemeClr val="accent1">
-              <a:shade val="50000"/>
-            </a:schemeClr>
-          </a:lnRef>
-          <a:fillRef idx="1">
-            <a:schemeClr val="accent1"/>
-          </a:fillRef>
-          <a:effectRef idx="0">
-            <a:schemeClr val="accent1"/>
-          </a:effectRef>
-          <a:fontRef idx="minor">
-            <a:schemeClr val="lt1"/>
-          </a:fontRef>
-        </p:style>
-        <p:txBody>
-          <a:bodyPr rtlCol="0" anchor="ctr"/>
-          <a:lstStyle/>
-          <a:p>
-            <a:pPr algn="ctr"/>
-            <a:endParaRPr lang="ko-KR" altLang="en-US"/>
-          </a:p>
-        </p:txBody>
-      </p:sp>
-      <p:sp>
-        <p:nvSpPr>
-          <p:cNvPr id="8" name="TextBox 7">
-            <a:extLst>
-              <a:ext uri="{FF2B5EF4-FFF2-40B4-BE49-F238E27FC236}">
-                <a16:creationId xmlns:a16="http://schemas.microsoft.com/office/drawing/2014/main" id="{214A48CA-2EB7-4FED-8CA6-3A12A763CF00}"/>
-              </a:ext>
-            </a:extLst>
-          </p:cNvPr>
-          <p:cNvSpPr txBox="1"/>
-          <p:nvPr/>
-        </p:nvSpPr>
-        <p:spPr>
-          <a:xfrm>
-            <a:off x="2849105" y="5083827"/>
-            <a:ext cx="6493790" cy="462627"/>
-          </a:xfrm>
-          <a:prstGeom prst="rect">
-            <a:avLst/>
-          </a:prstGeom>
-          <a:noFill/>
-        </p:spPr>
-        <p:txBody>
-          <a:bodyPr wrap="square" rtlCol="0">
-            <a:spAutoFit/>
-          </a:bodyPr>
-          <a:lstStyle/>
-          <a:p>
-            <a:pPr algn="ctr">
-              <a:lnSpc>
-                <a:spcPct val="150000"/>
-              </a:lnSpc>
-            </a:pPr>
-            <a:r>
-              <a:rPr lang="en-US" altLang="ko-KR" dirty="0"/>
-              <a:t>Data Lake - Hadoop</a:t>
-            </a:r>
-            <a:r>
-              <a:rPr lang="ko-KR" altLang="en-US" dirty="0"/>
-              <a:t>의 </a:t>
-            </a:r>
-            <a:r>
-              <a:rPr lang="ko-KR" altLang="en-US" dirty="0" err="1"/>
-              <a:t>에코시스템중</a:t>
-            </a:r>
-            <a:r>
-              <a:rPr lang="ko-KR" altLang="en-US" dirty="0"/>
-              <a:t> 일부 지원</a:t>
-            </a:r>
-            <a:r>
-              <a:rPr lang="en-US" altLang="ko-KR" dirty="0"/>
-              <a:t>. (Hive, Pig, Storm)</a:t>
-            </a:r>
-          </a:p>
-        </p:txBody>
-      </p:sp>
-      <p:pic>
-        <p:nvPicPr>
-          <p:cNvPr id="3" name="그림 2">
-            <a:extLst>
-              <a:ext uri="{FF2B5EF4-FFF2-40B4-BE49-F238E27FC236}">
-                <a16:creationId xmlns:a16="http://schemas.microsoft.com/office/drawing/2014/main" id="{9F0C08C2-CB3F-48B8-B9D9-88301D69B5FE}"/>
-              </a:ext>
-            </a:extLst>
-          </p:cNvPr>
-          <p:cNvPicPr>
-            <a:picLocks noChangeAspect="1"/>
-          </p:cNvPicPr>
-          <p:nvPr/>
-        </p:nvPicPr>
-        <p:blipFill>
-          <a:blip r:embed="rId3">
-            <a:extLst>
-              <a:ext uri="{28A0092B-C50C-407E-A947-70E740481C1C}">
-                <a14:useLocalDpi xmlns:a14="http://schemas.microsoft.com/office/drawing/2010/main" val="0"/>
-              </a:ext>
-            </a:extLst>
-          </a:blip>
-          <a:stretch>
-            <a:fillRect/>
-          </a:stretch>
-        </p:blipFill>
-        <p:spPr>
-          <a:xfrm>
-            <a:off x="7149172" y="4054694"/>
-            <a:ext cx="682075" cy="613004"/>
-          </a:xfrm>
-          <a:prstGeom prst="rect">
-            <a:avLst/>
-          </a:prstGeom>
-        </p:spPr>
-      </p:pic>
-      <p:pic>
-        <p:nvPicPr>
-          <p:cNvPr id="10" name="그림 9">
-            <a:extLst>
-              <a:ext uri="{FF2B5EF4-FFF2-40B4-BE49-F238E27FC236}">
-                <a16:creationId xmlns:a16="http://schemas.microsoft.com/office/drawing/2014/main" id="{CC16D2F5-A043-4871-927E-49C095DD61C4}"/>
-              </a:ext>
-            </a:extLst>
-          </p:cNvPr>
-          <p:cNvPicPr>
-            <a:picLocks noChangeAspect="1"/>
-          </p:cNvPicPr>
-          <p:nvPr/>
-        </p:nvPicPr>
-        <p:blipFill>
-          <a:blip r:embed="rId4">
-            <a:extLst>
-              <a:ext uri="{28A0092B-C50C-407E-A947-70E740481C1C}">
-                <a14:useLocalDpi xmlns:a14="http://schemas.microsoft.com/office/drawing/2010/main" val="0"/>
-              </a:ext>
-            </a:extLst>
-          </a:blip>
-          <a:stretch>
-            <a:fillRect/>
-          </a:stretch>
-        </p:blipFill>
-        <p:spPr>
-          <a:xfrm>
-            <a:off x="5486399" y="4201769"/>
-            <a:ext cx="1219202" cy="445009"/>
-          </a:xfrm>
-          <a:prstGeom prst="rect">
-            <a:avLst/>
-          </a:prstGeom>
-        </p:spPr>
-      </p:pic>
-      <p:pic>
-        <p:nvPicPr>
-          <p:cNvPr id="12" name="그림 11">
-            <a:extLst>
-              <a:ext uri="{FF2B5EF4-FFF2-40B4-BE49-F238E27FC236}">
-                <a16:creationId xmlns:a16="http://schemas.microsoft.com/office/drawing/2014/main" id="{98853EC1-4208-4482-9FD5-E15399C4FDFC}"/>
-              </a:ext>
-            </a:extLst>
-          </p:cNvPr>
-          <p:cNvPicPr>
-            <a:picLocks noChangeAspect="1"/>
-          </p:cNvPicPr>
-          <p:nvPr/>
-        </p:nvPicPr>
-        <p:blipFill>
-          <a:blip r:embed="rId5">
-            <a:extLst>
-              <a:ext uri="{28A0092B-C50C-407E-A947-70E740481C1C}">
-                <a14:useLocalDpi xmlns:a14="http://schemas.microsoft.com/office/drawing/2010/main" val="0"/>
-              </a:ext>
-            </a:extLst>
-          </a:blip>
-          <a:stretch>
-            <a:fillRect/>
-          </a:stretch>
-        </p:blipFill>
-        <p:spPr>
-          <a:xfrm>
-            <a:off x="3956097" y="3706896"/>
-            <a:ext cx="1086731" cy="1296134"/>
-          </a:xfrm>
-          <a:prstGeom prst="rect">
-            <a:avLst/>
-          </a:prstGeom>
-        </p:spPr>
-      </p:pic>
-      <p:pic>
-        <p:nvPicPr>
-          <p:cNvPr id="13" name="그림 12">
-            <a:extLst>
-              <a:ext uri="{FF2B5EF4-FFF2-40B4-BE49-F238E27FC236}">
-                <a16:creationId xmlns:a16="http://schemas.microsoft.com/office/drawing/2014/main" id="{5FFCFB76-EAA4-43CF-9335-3B5E86545F5E}"/>
-              </a:ext>
-            </a:extLst>
-          </p:cNvPr>
-          <p:cNvPicPr>
-            <a:picLocks noChangeAspect="1"/>
-          </p:cNvPicPr>
-          <p:nvPr/>
-        </p:nvPicPr>
-        <p:blipFill>
-          <a:blip r:embed="rId6">
-            <a:extLst>
-              <a:ext uri="{28A0092B-C50C-407E-A947-70E740481C1C}">
-                <a14:useLocalDpi xmlns:a14="http://schemas.microsoft.com/office/drawing/2010/main" val="0"/>
-              </a:ext>
-            </a:extLst>
-          </a:blip>
-          <a:stretch>
-            <a:fillRect/>
-          </a:stretch>
-        </p:blipFill>
-        <p:spPr>
-          <a:xfrm>
-            <a:off x="2706356" y="1714058"/>
-            <a:ext cx="6779288" cy="1138920"/>
-          </a:xfrm>
-          <a:prstGeom prst="rect">
-            <a:avLst/>
-          </a:prstGeom>
-        </p:spPr>
-      </p:pic>
-      <p:sp>
-        <p:nvSpPr>
-          <p:cNvPr id="14" name="사각형: 둥근 모서리 13">
-            <a:extLst>
-              <a:ext uri="{FF2B5EF4-FFF2-40B4-BE49-F238E27FC236}">
-                <a16:creationId xmlns:a16="http://schemas.microsoft.com/office/drawing/2014/main" id="{C9A5620B-09CD-4E99-95D7-A71D3B0AB455}"/>
-              </a:ext>
-            </a:extLst>
-          </p:cNvPr>
-          <p:cNvSpPr/>
-          <p:nvPr/>
-        </p:nvSpPr>
-        <p:spPr>
-          <a:xfrm>
-            <a:off x="3793402" y="3626098"/>
-            <a:ext cx="4399984" cy="1479624"/>
-          </a:xfrm>
-          <a:prstGeom prst="roundRect">
-            <a:avLst/>
-          </a:prstGeom>
-          <a:noFill/>
-          <a:ln w="38100">
-            <a:solidFill>
-              <a:schemeClr val="accent1">
-                <a:lumMod val="75000"/>
-              </a:schemeClr>
-            </a:solidFill>
-          </a:ln>
-        </p:spPr>
-        <p:style>
-          <a:lnRef idx="2">
-            <a:schemeClr val="accent1">
-              <a:shade val="50000"/>
-            </a:schemeClr>
-          </a:lnRef>
-          <a:fillRef idx="1">
-            <a:schemeClr val="accent1"/>
-          </a:fillRef>
-          <a:effectRef idx="0">
-            <a:schemeClr val="accent1"/>
-          </a:effectRef>
-          <a:fontRef idx="minor">
-            <a:schemeClr val="lt1"/>
-          </a:fontRef>
-        </p:style>
-        <p:txBody>
-          <a:bodyPr rtlCol="0" anchor="ctr"/>
-          <a:lstStyle/>
-          <a:p>
-            <a:pPr algn="ctr"/>
-            <a:endParaRPr lang="ko-KR" altLang="en-US"/>
-          </a:p>
-        </p:txBody>
-      </p:sp>
-      <p:cxnSp>
-        <p:nvCxnSpPr>
-          <p:cNvPr id="16" name="직선 화살표 연결선 15">
-            <a:extLst>
-              <a:ext uri="{FF2B5EF4-FFF2-40B4-BE49-F238E27FC236}">
-                <a16:creationId xmlns:a16="http://schemas.microsoft.com/office/drawing/2014/main" id="{769CBB68-6384-4C39-BAF6-31E7408A00DD}"/>
-              </a:ext>
-            </a:extLst>
-          </p:cNvPr>
-          <p:cNvCxnSpPr>
-            <a:stCxn id="14" idx="0"/>
-          </p:cNvCxnSpPr>
-          <p:nvPr/>
-        </p:nvCxnSpPr>
-        <p:spPr>
-          <a:xfrm flipV="1">
-            <a:off x="5993394" y="3032911"/>
-            <a:ext cx="0" cy="593187"/>
-          </a:xfrm>
-          <a:prstGeom prst="straightConnector1">
-            <a:avLst/>
-          </a:prstGeom>
-          <a:ln w="38100">
-            <a:solidFill>
-              <a:schemeClr val="accent1">
-                <a:lumMod val="75000"/>
-              </a:schemeClr>
-            </a:solidFill>
-            <a:tailEnd type="triangle"/>
-          </a:ln>
-        </p:spPr>
-        <p:style>
-          <a:lnRef idx="1">
-            <a:schemeClr val="accent1"/>
-          </a:lnRef>
-          <a:fillRef idx="0">
-            <a:schemeClr val="accent1"/>
-          </a:fillRef>
-          <a:effectRef idx="0">
-            <a:schemeClr val="accent1"/>
-          </a:effectRef>
-          <a:fontRef idx="minor">
-            <a:schemeClr val="tx1"/>
-          </a:fontRef>
-        </p:style>
-      </p:cxnSp>
-    </p:spTree>
-    <p:extLst>
-      <p:ext uri="{BB962C8B-B14F-4D97-AF65-F5344CB8AC3E}">
-        <p14:creationId xmlns:p14="http://schemas.microsoft.com/office/powerpoint/2010/main" val="2598809135"/>
-      </p:ext>
-    </p:extLst>
-  </p:cSld>
-  <p:clrMapOvr>
-    <a:masterClrMapping/>
-  </p:clrMapOvr>
-</p:sld>
-</file>
-
-<file path=ppt/slides/slide11.xml><?xml version="1.0" encoding="utf-8"?>
-<p:sld xmlns:a="http://schemas.openxmlformats.org/drawingml/2006/main" xmlns:r="http://schemas.openxmlformats.org/officeDocument/2006/relationships" xmlns:p="http://schemas.openxmlformats.org/presentationml/2006/main">
-  <p:cSld>
-    <p:spTree>
-      <p:nvGrpSpPr>
-        <p:cNvPr id="1" name=""/>
-        <p:cNvGrpSpPr/>
-        <p:nvPr/>
-      </p:nvGrpSpPr>
-      <p:grpSpPr>
-        <a:xfrm>
-          <a:off x="0" y="0"/>
-          <a:ext cx="0" cy="0"/>
-          <a:chOff x="0" y="0"/>
-          <a:chExt cx="0" cy="0"/>
-        </a:xfrm>
-      </p:grpSpPr>
-      <p:sp>
-        <p:nvSpPr>
-          <p:cNvPr id="5" name="직사각형 4">
-            <a:extLst>
-              <a:ext uri="{FF2B5EF4-FFF2-40B4-BE49-F238E27FC236}">
-                <a16:creationId xmlns:a16="http://schemas.microsoft.com/office/drawing/2014/main" id="{B3BCBC1E-0CFA-4F3B-97BB-2F3DDEE5953A}"/>
-              </a:ext>
-            </a:extLst>
-          </p:cNvPr>
-          <p:cNvSpPr/>
-          <p:nvPr/>
-        </p:nvSpPr>
-        <p:spPr>
-          <a:xfrm>
-            <a:off x="1586143" y="1020932"/>
-            <a:ext cx="9268287" cy="115409"/>
-          </a:xfrm>
-          <a:prstGeom prst="rect">
-            <a:avLst/>
-          </a:prstGeom>
-        </p:spPr>
-        <p:style>
-          <a:lnRef idx="2">
-            <a:schemeClr val="accent1">
-              <a:shade val="50000"/>
-            </a:schemeClr>
-          </a:lnRef>
-          <a:fillRef idx="1">
-            <a:schemeClr val="accent1"/>
-          </a:fillRef>
-          <a:effectRef idx="0">
-            <a:schemeClr val="accent1"/>
-          </a:effectRef>
-          <a:fontRef idx="minor">
-            <a:schemeClr val="lt1"/>
-          </a:fontRef>
-        </p:style>
-        <p:txBody>
-          <a:bodyPr rtlCol="0" anchor="ctr"/>
-          <a:lstStyle/>
-          <a:p>
-            <a:pPr algn="ctr"/>
-            <a:endParaRPr lang="ko-KR" altLang="en-US"/>
-          </a:p>
-        </p:txBody>
-      </p:sp>
-      <p:sp>
-        <p:nvSpPr>
-          <p:cNvPr id="6" name="TextBox 5">
-            <a:extLst>
-              <a:ext uri="{FF2B5EF4-FFF2-40B4-BE49-F238E27FC236}">
-                <a16:creationId xmlns:a16="http://schemas.microsoft.com/office/drawing/2014/main" id="{13DE9146-974D-4A67-B81D-30E88F3533C1}"/>
-              </a:ext>
-            </a:extLst>
-          </p:cNvPr>
-          <p:cNvSpPr txBox="1"/>
-          <p:nvPr/>
-        </p:nvSpPr>
-        <p:spPr>
-          <a:xfrm>
-            <a:off x="1704513" y="620822"/>
             <a:ext cx="1649811" cy="400110"/>
           </a:xfrm>
           <a:prstGeom prst="rect">
@@ -5599,7 +5037,7 @@
 </p:sld>
 </file>
 
-<file path=ppt/slides/slide12.xml><?xml version="1.0" encoding="utf-8"?>
+<file path=ppt/slides/slide11.xml><?xml version="1.0" encoding="utf-8"?>
 <p:sld xmlns:a="http://schemas.openxmlformats.org/drawingml/2006/main" xmlns:r="http://schemas.openxmlformats.org/officeDocument/2006/relationships" xmlns:p="http://schemas.openxmlformats.org/presentationml/2006/main">
   <p:cSld>
     <p:spTree>
@@ -5921,7 +5359,7 @@
 </p:sld>
 </file>
 
-<file path=ppt/slides/slide13.xml><?xml version="1.0" encoding="utf-8"?>
+<file path=ppt/slides/slide12.xml><?xml version="1.0" encoding="utf-8"?>
 <p:sld xmlns:a="http://schemas.openxmlformats.org/drawingml/2006/main" xmlns:r="http://schemas.openxmlformats.org/officeDocument/2006/relationships" xmlns:p="http://schemas.openxmlformats.org/presentationml/2006/main">
   <p:cSld>
     <p:spTree>
@@ -6084,8 +5522,8 @@
         </p:nvSpPr>
         <p:spPr>
           <a:xfrm>
-            <a:off x="1754179" y="5107909"/>
-            <a:ext cx="8683642" cy="462627"/>
+            <a:off x="1524412" y="5128492"/>
+            <a:ext cx="9143175" cy="421462"/>
           </a:xfrm>
           <a:prstGeom prst="rect">
             <a:avLst/>
@@ -6104,39 +5542,55 @@
               </a:lnSpc>
             </a:pPr>
             <a:r>
-              <a:rPr lang="en-US" altLang="ko-KR" dirty="0"/>
+              <a:rPr lang="en-US" altLang="ko-KR" sz="1600" dirty="0"/>
               <a:t>Git</a:t>
             </a:r>
             <a:r>
-              <a:rPr lang="ko-KR" altLang="en-US" dirty="0"/>
-              <a:t>과 같은 버전관리 도구나 </a:t>
-            </a:r>
-            <a:r>
-              <a:rPr lang="en-US" altLang="ko-KR" dirty="0"/>
+              <a:rPr lang="ko-KR" altLang="en-US" sz="1600" dirty="0"/>
+              <a:t>과 같은 버전관리 도구가 </a:t>
+            </a:r>
+            <a:r>
+              <a:rPr lang="en-US" altLang="ko-KR" sz="1600" dirty="0"/>
+              <a:t>IDE</a:t>
+            </a:r>
+            <a:r>
+              <a:rPr lang="ko-KR" altLang="en-US" sz="1600" dirty="0"/>
+              <a:t>에 </a:t>
+            </a:r>
+            <a:r>
+              <a:rPr lang="ko-KR" altLang="en-US" sz="1600" dirty="0" err="1"/>
+              <a:t>내장되어있고</a:t>
+            </a:r>
+            <a:r>
+              <a:rPr lang="ko-KR" altLang="en-US" sz="1600" dirty="0"/>
+              <a:t> </a:t>
+            </a:r>
+            <a:r>
+              <a:rPr lang="en-US" altLang="ko-KR" sz="1600" dirty="0"/>
+              <a:t>IDE </a:t>
+            </a:r>
+            <a:r>
+              <a:rPr lang="ko-KR" altLang="en-US" sz="1600" dirty="0"/>
+              <a:t>내에서 </a:t>
+            </a:r>
+            <a:r>
+              <a:rPr lang="en-US" altLang="ko-KR" sz="1600" dirty="0"/>
               <a:t>Azure</a:t>
             </a:r>
             <a:r>
-              <a:rPr lang="ko-KR" altLang="en-US" dirty="0"/>
-              <a:t>의 </a:t>
-            </a:r>
-            <a:r>
-              <a:rPr lang="en-US" altLang="ko-KR" dirty="0"/>
-              <a:t>PaaS</a:t>
-            </a:r>
-            <a:r>
-              <a:rPr lang="ko-KR" altLang="en-US" dirty="0"/>
-              <a:t>들 중 일부가 </a:t>
-            </a:r>
-            <a:r>
-              <a:rPr lang="en-US" altLang="ko-KR" dirty="0"/>
-              <a:t>IDE </a:t>
-            </a:r>
-            <a:r>
-              <a:rPr lang="ko-KR" altLang="en-US" dirty="0"/>
-              <a:t>자체에 내장되어 있음</a:t>
-            </a:r>
-            <a:r>
-              <a:rPr lang="en-US" altLang="ko-KR" dirty="0"/>
+              <a:rPr lang="ko-KR" altLang="en-US" sz="1600" dirty="0"/>
+              <a:t>와 연동하여 수많은 </a:t>
+            </a:r>
+            <a:r>
+              <a:rPr lang="en-US" altLang="ko-KR" sz="1600" dirty="0"/>
+              <a:t>PaaS </a:t>
+            </a:r>
+            <a:r>
+              <a:rPr lang="ko-KR" altLang="en-US" sz="1600" dirty="0"/>
+              <a:t>이용 가능</a:t>
+            </a:r>
+            <a:r>
+              <a:rPr lang="en-US" altLang="ko-KR" sz="1600" dirty="0"/>
               <a:t>.</a:t>
             </a:r>
           </a:p>
@@ -6227,7 +5681,7 @@
 </p:sld>
 </file>
 
-<file path=ppt/slides/slide14.xml><?xml version="1.0" encoding="utf-8"?>
+<file path=ppt/slides/slide13.xml><?xml version="1.0" encoding="utf-8"?>
 <p:sld xmlns:a="http://schemas.openxmlformats.org/drawingml/2006/main" xmlns:r="http://schemas.openxmlformats.org/officeDocument/2006/relationships" xmlns:p="http://schemas.openxmlformats.org/presentationml/2006/main">
   <p:cSld>
     <p:spTree>
@@ -6548,21 +6002,30 @@
           <a:lstStyle/>
           <a:p>
             <a:r>
+              <a:rPr lang="ko-KR" altLang="en-US" sz="1600" dirty="0"/>
+              <a:t>다양한 언어 지원</a:t>
+            </a:r>
+            <a:r>
               <a:rPr lang="en-US" altLang="ko-KR" sz="1600" dirty="0"/>
-              <a:t>‘</a:t>
+              <a:t>. </a:t>
             </a:r>
             <a:r>
               <a:rPr lang="ko-KR" altLang="en-US" sz="1600" dirty="0"/>
-              <a:t>개인</a:t>
+              <a:t>더 이상 </a:t>
             </a:r>
             <a:r>
               <a:rPr lang="en-US" altLang="ko-KR" sz="1600" dirty="0"/>
-              <a:t>’</a:t>
+              <a:t>C </a:t>
             </a:r>
             <a:r>
               <a:rPr lang="ko-KR" altLang="en-US" sz="1600" dirty="0"/>
-              <a:t>에게 한없이 관대한 라이선스 정책</a:t>
-            </a:r>
+              <a:t>계열에 국한되지 않음</a:t>
+            </a:r>
+            <a:r>
+              <a:rPr lang="en-US" altLang="ko-KR" sz="1600" dirty="0"/>
+              <a:t>.</a:t>
+            </a:r>
+            <a:endParaRPr lang="ko-KR" altLang="en-US" sz="1600" dirty="0"/>
           </a:p>
         </p:txBody>
       </p:sp>
@@ -7018,7 +6481,7 @@
 </p:sld>
 </file>
 
-<file path=ppt/slides/slide15.xml><?xml version="1.0" encoding="utf-8"?>
+<file path=ppt/slides/slide14.xml><?xml version="1.0" encoding="utf-8"?>
 <p:sld xmlns:a="http://schemas.openxmlformats.org/drawingml/2006/main" xmlns:r="http://schemas.openxmlformats.org/officeDocument/2006/relationships" xmlns:p="http://schemas.openxmlformats.org/presentationml/2006/main">
   <p:cSld>
     <p:spTree>
@@ -9200,7 +8663,7 @@
         </p:nvSpPr>
         <p:spPr>
           <a:xfrm>
-            <a:off x="2849105" y="4997895"/>
+            <a:off x="2849105" y="5083827"/>
             <a:ext cx="6493790" cy="462627"/>
           </a:xfrm>
           <a:prstGeom prst="rect">
@@ -9221,27 +8684,23 @@
             </a:pPr>
             <a:r>
               <a:rPr lang="en-US" altLang="ko-KR" dirty="0"/>
-              <a:t>Azure</a:t>
+              <a:t>IDE </a:t>
             </a:r>
             <a:r>
               <a:rPr lang="ko-KR" altLang="en-US" dirty="0"/>
-              <a:t>와 </a:t>
-            </a:r>
-            <a:r>
-              <a:rPr lang="en-US" altLang="ko-KR" dirty="0"/>
-              <a:t>IDE</a:t>
+              <a:t>자체에서 </a:t>
+            </a:r>
+            <a:r>
+              <a:rPr lang="en-US" altLang="ko-KR"/>
+              <a:t>SSH </a:t>
+            </a:r>
+            <a:r>
+              <a:rPr lang="ko-KR" altLang="en-US"/>
+              <a:t>프로토콜을 </a:t>
             </a:r>
             <a:r>
               <a:rPr lang="ko-KR" altLang="en-US" dirty="0"/>
-              <a:t>상에서 연동시켜 수많은 </a:t>
-            </a:r>
-            <a:r>
-              <a:rPr lang="en-US" altLang="ko-KR" dirty="0"/>
-              <a:t>PaaS </a:t>
-            </a:r>
-            <a:r>
-              <a:rPr lang="ko-KR" altLang="en-US" dirty="0"/>
-              <a:t>이용 가능</a:t>
+              <a:t>지원</a:t>
             </a:r>
             <a:r>
               <a:rPr lang="en-US" altLang="ko-KR" dirty="0"/>
@@ -9252,10 +8711,10 @@
       </p:sp>
       <p:pic>
         <p:nvPicPr>
-          <p:cNvPr id="3" name="그림 2">
+          <p:cNvPr id="4" name="그림 3">
             <a:extLst>
               <a:ext uri="{FF2B5EF4-FFF2-40B4-BE49-F238E27FC236}">
-                <a16:creationId xmlns:a16="http://schemas.microsoft.com/office/drawing/2014/main" id="{994AA281-F8A3-49FD-BB25-C249602425FF}"/>
+                <a16:creationId xmlns:a16="http://schemas.microsoft.com/office/drawing/2014/main" id="{609D1213-5500-48CC-BEE8-1F78326D3040}"/>
               </a:ext>
             </a:extLst>
           </p:cNvPr>
@@ -9278,8 +8737,8 @@
         </p:blipFill>
         <p:spPr>
           <a:xfrm>
-            <a:off x="4484483" y="2963271"/>
-            <a:ext cx="3223034" cy="931457"/>
+            <a:off x="4206655" y="1536451"/>
+            <a:ext cx="3778690" cy="3778690"/>
           </a:xfrm>
           <a:prstGeom prst="rect">
             <a:avLst/>
@@ -9289,7 +8748,7 @@
     </p:spTree>
     <p:extLst>
       <p:ext uri="{BB962C8B-B14F-4D97-AF65-F5344CB8AC3E}">
-        <p14:creationId xmlns:p14="http://schemas.microsoft.com/office/powerpoint/2010/main" val="3991677396"/>
+        <p14:creationId xmlns:p14="http://schemas.microsoft.com/office/powerpoint/2010/main" val="1811722007"/>
       </p:ext>
     </p:extLst>
   </p:cSld>
@@ -9316,204 +8775,12 @@
           <a:chExt cx="0" cy="0"/>
         </a:xfrm>
       </p:grpSpPr>
-      <p:sp>
-        <p:nvSpPr>
-          <p:cNvPr id="5" name="직사각형 4">
+      <p:pic>
+        <p:nvPicPr>
+          <p:cNvPr id="12" name="그림 11">
             <a:extLst>
               <a:ext uri="{FF2B5EF4-FFF2-40B4-BE49-F238E27FC236}">
-                <a16:creationId xmlns:a16="http://schemas.microsoft.com/office/drawing/2014/main" id="{B3BCBC1E-0CFA-4F3B-97BB-2F3DDEE5953A}"/>
-              </a:ext>
-            </a:extLst>
-          </p:cNvPr>
-          <p:cNvSpPr/>
-          <p:nvPr/>
-        </p:nvSpPr>
-        <p:spPr>
-          <a:xfrm>
-            <a:off x="1586143" y="1020932"/>
-            <a:ext cx="9268287" cy="115409"/>
-          </a:xfrm>
-          <a:prstGeom prst="rect">
-            <a:avLst/>
-          </a:prstGeom>
-        </p:spPr>
-        <p:style>
-          <a:lnRef idx="2">
-            <a:schemeClr val="accent1">
-              <a:shade val="50000"/>
-            </a:schemeClr>
-          </a:lnRef>
-          <a:fillRef idx="1">
-            <a:schemeClr val="accent1"/>
-          </a:fillRef>
-          <a:effectRef idx="0">
-            <a:schemeClr val="accent1"/>
-          </a:effectRef>
-          <a:fontRef idx="minor">
-            <a:schemeClr val="lt1"/>
-          </a:fontRef>
-        </p:style>
-        <p:txBody>
-          <a:bodyPr rtlCol="0" anchor="ctr"/>
-          <a:lstStyle/>
-          <a:p>
-            <a:pPr algn="ctr"/>
-            <a:endParaRPr lang="ko-KR" altLang="en-US"/>
-          </a:p>
-        </p:txBody>
-      </p:sp>
-      <p:sp>
-        <p:nvSpPr>
-          <p:cNvPr id="6" name="TextBox 5">
-            <a:extLst>
-              <a:ext uri="{FF2B5EF4-FFF2-40B4-BE49-F238E27FC236}">
-                <a16:creationId xmlns:a16="http://schemas.microsoft.com/office/drawing/2014/main" id="{13DE9146-974D-4A67-B81D-30E88F3533C1}"/>
-              </a:ext>
-            </a:extLst>
-          </p:cNvPr>
-          <p:cNvSpPr txBox="1"/>
-          <p:nvPr/>
-        </p:nvSpPr>
-        <p:spPr>
-          <a:xfrm>
-            <a:off x="1704513" y="620822"/>
-            <a:ext cx="2938625" cy="400110"/>
-          </a:xfrm>
-          <a:prstGeom prst="rect">
-            <a:avLst/>
-          </a:prstGeom>
-          <a:noFill/>
-        </p:spPr>
-        <p:txBody>
-          <a:bodyPr wrap="none" rtlCol="0">
-            <a:spAutoFit/>
-          </a:bodyPr>
-          <a:lstStyle/>
-          <a:p>
-            <a:r>
-              <a:rPr lang="en-US" altLang="ko-KR" sz="2000" dirty="0"/>
-              <a:t>2017</a:t>
-            </a:r>
-            <a:r>
-              <a:rPr lang="ko-KR" altLang="en-US" sz="2000" dirty="0"/>
-              <a:t>버전의 달라진 점 </a:t>
-            </a:r>
-            <a:r>
-              <a:rPr lang="en-US" altLang="ko-KR" sz="2000" dirty="0"/>
-              <a:t>- 5</a:t>
-            </a:r>
-            <a:endParaRPr lang="ko-KR" altLang="en-US" sz="2000" dirty="0"/>
-          </a:p>
-        </p:txBody>
-      </p:sp>
-      <p:sp>
-        <p:nvSpPr>
-          <p:cNvPr id="7" name="직사각형 6">
-            <a:extLst>
-              <a:ext uri="{FF2B5EF4-FFF2-40B4-BE49-F238E27FC236}">
-                <a16:creationId xmlns:a16="http://schemas.microsoft.com/office/drawing/2014/main" id="{B53D20DB-D2BC-478F-BF9E-C1FA7D8A7478}"/>
-              </a:ext>
-            </a:extLst>
-          </p:cNvPr>
-          <p:cNvSpPr/>
-          <p:nvPr/>
-        </p:nvSpPr>
-        <p:spPr>
-          <a:xfrm>
-            <a:off x="1586143" y="6121769"/>
-            <a:ext cx="9268287" cy="115409"/>
-          </a:xfrm>
-          <a:prstGeom prst="rect">
-            <a:avLst/>
-          </a:prstGeom>
-        </p:spPr>
-        <p:style>
-          <a:lnRef idx="2">
-            <a:schemeClr val="accent1">
-              <a:shade val="50000"/>
-            </a:schemeClr>
-          </a:lnRef>
-          <a:fillRef idx="1">
-            <a:schemeClr val="accent1"/>
-          </a:fillRef>
-          <a:effectRef idx="0">
-            <a:schemeClr val="accent1"/>
-          </a:effectRef>
-          <a:fontRef idx="minor">
-            <a:schemeClr val="lt1"/>
-          </a:fontRef>
-        </p:style>
-        <p:txBody>
-          <a:bodyPr rtlCol="0" anchor="ctr"/>
-          <a:lstStyle/>
-          <a:p>
-            <a:pPr algn="ctr"/>
-            <a:endParaRPr lang="ko-KR" altLang="en-US"/>
-          </a:p>
-        </p:txBody>
-      </p:sp>
-      <p:sp>
-        <p:nvSpPr>
-          <p:cNvPr id="8" name="TextBox 7">
-            <a:extLst>
-              <a:ext uri="{FF2B5EF4-FFF2-40B4-BE49-F238E27FC236}">
-                <a16:creationId xmlns:a16="http://schemas.microsoft.com/office/drawing/2014/main" id="{214A48CA-2EB7-4FED-8CA6-3A12A763CF00}"/>
-              </a:ext>
-            </a:extLst>
-          </p:cNvPr>
-          <p:cNvSpPr txBox="1"/>
-          <p:nvPr/>
-        </p:nvSpPr>
-        <p:spPr>
-          <a:xfrm>
-            <a:off x="2849105" y="5083827"/>
-            <a:ext cx="6493790" cy="462627"/>
-          </a:xfrm>
-          <a:prstGeom prst="rect">
-            <a:avLst/>
-          </a:prstGeom>
-          <a:noFill/>
-        </p:spPr>
-        <p:txBody>
-          <a:bodyPr wrap="square" rtlCol="0">
-            <a:spAutoFit/>
-          </a:bodyPr>
-          <a:lstStyle/>
-          <a:p>
-            <a:pPr algn="ctr">
-              <a:lnSpc>
-                <a:spcPct val="150000"/>
-              </a:lnSpc>
-            </a:pPr>
-            <a:r>
-              <a:rPr lang="en-US" altLang="ko-KR" dirty="0"/>
-              <a:t>IDE </a:t>
-            </a:r>
-            <a:r>
-              <a:rPr lang="ko-KR" altLang="en-US" dirty="0"/>
-              <a:t>자체에서 </a:t>
-            </a:r>
-            <a:r>
-              <a:rPr lang="en-US" altLang="ko-KR" dirty="0"/>
-              <a:t>SSH</a:t>
-            </a:r>
-            <a:r>
-              <a:rPr lang="ko-KR" altLang="en-US" dirty="0"/>
-              <a:t>접속 지원</a:t>
-            </a:r>
-            <a:r>
-              <a:rPr lang="en-US" altLang="ko-KR" dirty="0"/>
-              <a:t>.</a:t>
-            </a:r>
-          </a:p>
-        </p:txBody>
-      </p:sp>
-      <p:pic>
-        <p:nvPicPr>
-          <p:cNvPr id="4" name="그림 3">
-            <a:extLst>
-              <a:ext uri="{FF2B5EF4-FFF2-40B4-BE49-F238E27FC236}">
-                <a16:creationId xmlns:a16="http://schemas.microsoft.com/office/drawing/2014/main" id="{609D1213-5500-48CC-BEE8-1F78326D3040}"/>
+                <a16:creationId xmlns:a16="http://schemas.microsoft.com/office/drawing/2014/main" id="{98853EC1-4208-4482-9FD5-E15399C4FDFC}"/>
               </a:ext>
             </a:extLst>
           </p:cNvPr>
@@ -9536,18 +8803,410 @@
         </p:blipFill>
         <p:spPr>
           <a:xfrm>
-            <a:off x="4206655" y="1536451"/>
-            <a:ext cx="3778690" cy="3778690"/>
+            <a:off x="5451350" y="3717843"/>
+            <a:ext cx="1086731" cy="1296134"/>
           </a:xfrm>
           <a:prstGeom prst="rect">
             <a:avLst/>
           </a:prstGeom>
         </p:spPr>
       </p:pic>
+      <p:sp>
+        <p:nvSpPr>
+          <p:cNvPr id="5" name="직사각형 4">
+            <a:extLst>
+              <a:ext uri="{FF2B5EF4-FFF2-40B4-BE49-F238E27FC236}">
+                <a16:creationId xmlns:a16="http://schemas.microsoft.com/office/drawing/2014/main" id="{B3BCBC1E-0CFA-4F3B-97BB-2F3DDEE5953A}"/>
+              </a:ext>
+            </a:extLst>
+          </p:cNvPr>
+          <p:cNvSpPr/>
+          <p:nvPr/>
+        </p:nvSpPr>
+        <p:spPr>
+          <a:xfrm>
+            <a:off x="1586143" y="1020932"/>
+            <a:ext cx="9268287" cy="115409"/>
+          </a:xfrm>
+          <a:prstGeom prst="rect">
+            <a:avLst/>
+          </a:prstGeom>
+        </p:spPr>
+        <p:style>
+          <a:lnRef idx="2">
+            <a:schemeClr val="accent1">
+              <a:shade val="50000"/>
+            </a:schemeClr>
+          </a:lnRef>
+          <a:fillRef idx="1">
+            <a:schemeClr val="accent1"/>
+          </a:fillRef>
+          <a:effectRef idx="0">
+            <a:schemeClr val="accent1"/>
+          </a:effectRef>
+          <a:fontRef idx="minor">
+            <a:schemeClr val="lt1"/>
+          </a:fontRef>
+        </p:style>
+        <p:txBody>
+          <a:bodyPr rtlCol="0" anchor="ctr"/>
+          <a:lstStyle/>
+          <a:p>
+            <a:pPr algn="ctr"/>
+            <a:endParaRPr lang="ko-KR" altLang="en-US"/>
+          </a:p>
+        </p:txBody>
+      </p:sp>
+      <p:sp>
+        <p:nvSpPr>
+          <p:cNvPr id="6" name="TextBox 5">
+            <a:extLst>
+              <a:ext uri="{FF2B5EF4-FFF2-40B4-BE49-F238E27FC236}">
+                <a16:creationId xmlns:a16="http://schemas.microsoft.com/office/drawing/2014/main" id="{13DE9146-974D-4A67-B81D-30E88F3533C1}"/>
+              </a:ext>
+            </a:extLst>
+          </p:cNvPr>
+          <p:cNvSpPr txBox="1"/>
+          <p:nvPr/>
+        </p:nvSpPr>
+        <p:spPr>
+          <a:xfrm>
+            <a:off x="1704513" y="620822"/>
+            <a:ext cx="2938625" cy="400110"/>
+          </a:xfrm>
+          <a:prstGeom prst="rect">
+            <a:avLst/>
+          </a:prstGeom>
+          <a:noFill/>
+        </p:spPr>
+        <p:txBody>
+          <a:bodyPr wrap="none" rtlCol="0">
+            <a:spAutoFit/>
+          </a:bodyPr>
+          <a:lstStyle/>
+          <a:p>
+            <a:r>
+              <a:rPr lang="en-US" altLang="ko-KR" sz="2000" dirty="0"/>
+              <a:t>2017</a:t>
+            </a:r>
+            <a:r>
+              <a:rPr lang="ko-KR" altLang="en-US" sz="2000" dirty="0"/>
+              <a:t>버전의 달라진 점 </a:t>
+            </a:r>
+            <a:r>
+              <a:rPr lang="en-US" altLang="ko-KR" sz="2000" dirty="0"/>
+              <a:t>- 5</a:t>
+            </a:r>
+            <a:endParaRPr lang="ko-KR" altLang="en-US" sz="2000" dirty="0"/>
+          </a:p>
+        </p:txBody>
+      </p:sp>
+      <p:sp>
+        <p:nvSpPr>
+          <p:cNvPr id="7" name="직사각형 6">
+            <a:extLst>
+              <a:ext uri="{FF2B5EF4-FFF2-40B4-BE49-F238E27FC236}">
+                <a16:creationId xmlns:a16="http://schemas.microsoft.com/office/drawing/2014/main" id="{B53D20DB-D2BC-478F-BF9E-C1FA7D8A7478}"/>
+              </a:ext>
+            </a:extLst>
+          </p:cNvPr>
+          <p:cNvSpPr/>
+          <p:nvPr/>
+        </p:nvSpPr>
+        <p:spPr>
+          <a:xfrm>
+            <a:off x="1586143" y="6121769"/>
+            <a:ext cx="9268287" cy="115409"/>
+          </a:xfrm>
+          <a:prstGeom prst="rect">
+            <a:avLst/>
+          </a:prstGeom>
+        </p:spPr>
+        <p:style>
+          <a:lnRef idx="2">
+            <a:schemeClr val="accent1">
+              <a:shade val="50000"/>
+            </a:schemeClr>
+          </a:lnRef>
+          <a:fillRef idx="1">
+            <a:schemeClr val="accent1"/>
+          </a:fillRef>
+          <a:effectRef idx="0">
+            <a:schemeClr val="accent1"/>
+          </a:effectRef>
+          <a:fontRef idx="minor">
+            <a:schemeClr val="lt1"/>
+          </a:fontRef>
+        </p:style>
+        <p:txBody>
+          <a:bodyPr rtlCol="0" anchor="ctr"/>
+          <a:lstStyle/>
+          <a:p>
+            <a:pPr algn="ctr"/>
+            <a:endParaRPr lang="ko-KR" altLang="en-US"/>
+          </a:p>
+        </p:txBody>
+      </p:sp>
+      <p:sp>
+        <p:nvSpPr>
+          <p:cNvPr id="8" name="TextBox 7">
+            <a:extLst>
+              <a:ext uri="{FF2B5EF4-FFF2-40B4-BE49-F238E27FC236}">
+                <a16:creationId xmlns:a16="http://schemas.microsoft.com/office/drawing/2014/main" id="{214A48CA-2EB7-4FED-8CA6-3A12A763CF00}"/>
+              </a:ext>
+            </a:extLst>
+          </p:cNvPr>
+          <p:cNvSpPr txBox="1"/>
+          <p:nvPr/>
+        </p:nvSpPr>
+        <p:spPr>
+          <a:xfrm>
+            <a:off x="2849105" y="5083827"/>
+            <a:ext cx="6493790" cy="462627"/>
+          </a:xfrm>
+          <a:prstGeom prst="rect">
+            <a:avLst/>
+          </a:prstGeom>
+          <a:noFill/>
+        </p:spPr>
+        <p:txBody>
+          <a:bodyPr wrap="square" rtlCol="0">
+            <a:spAutoFit/>
+          </a:bodyPr>
+          <a:lstStyle/>
+          <a:p>
+            <a:pPr algn="ctr">
+              <a:lnSpc>
+                <a:spcPct val="150000"/>
+              </a:lnSpc>
+            </a:pPr>
+            <a:r>
+              <a:rPr lang="en-US" altLang="ko-KR" dirty="0"/>
+              <a:t>Data Lake - Hadoop</a:t>
+            </a:r>
+            <a:r>
+              <a:rPr lang="ko-KR" altLang="en-US" dirty="0"/>
+              <a:t>의 에코시스템 중 일부 지원</a:t>
+            </a:r>
+            <a:r>
+              <a:rPr lang="en-US" altLang="ko-KR" dirty="0"/>
+              <a:t>. (Hive, Pig, Storm)</a:t>
+            </a:r>
+          </a:p>
+        </p:txBody>
+      </p:sp>
+      <p:pic>
+        <p:nvPicPr>
+          <p:cNvPr id="3" name="그림 2">
+            <a:extLst>
+              <a:ext uri="{FF2B5EF4-FFF2-40B4-BE49-F238E27FC236}">
+                <a16:creationId xmlns:a16="http://schemas.microsoft.com/office/drawing/2014/main" id="{9F0C08C2-CB3F-48B8-B9D9-88301D69B5FE}"/>
+              </a:ext>
+            </a:extLst>
+          </p:cNvPr>
+          <p:cNvPicPr>
+            <a:picLocks noChangeAspect="1"/>
+          </p:cNvPicPr>
+          <p:nvPr/>
+        </p:nvPicPr>
+        <p:blipFill>
+          <a:blip r:embed="rId4">
+            <a:extLst>
+              <a:ext uri="{28A0092B-C50C-407E-A947-70E740481C1C}">
+                <a14:useLocalDpi xmlns:a14="http://schemas.microsoft.com/office/drawing/2010/main" val="0"/>
+              </a:ext>
+            </a:extLst>
+          </a:blip>
+          <a:stretch>
+            <a:fillRect/>
+          </a:stretch>
+        </p:blipFill>
+        <p:spPr>
+          <a:xfrm>
+            <a:off x="4281061" y="4084263"/>
+            <a:ext cx="682075" cy="613004"/>
+          </a:xfrm>
+          <a:prstGeom prst="rect">
+            <a:avLst/>
+          </a:prstGeom>
+        </p:spPr>
+      </p:pic>
+      <p:pic>
+        <p:nvPicPr>
+          <p:cNvPr id="10" name="그림 9">
+            <a:extLst>
+              <a:ext uri="{FF2B5EF4-FFF2-40B4-BE49-F238E27FC236}">
+                <a16:creationId xmlns:a16="http://schemas.microsoft.com/office/drawing/2014/main" id="{CC16D2F5-A043-4871-927E-49C095DD61C4}"/>
+              </a:ext>
+            </a:extLst>
+          </p:cNvPr>
+          <p:cNvPicPr>
+            <a:picLocks noChangeAspect="1"/>
+          </p:cNvPicPr>
+          <p:nvPr/>
+        </p:nvPicPr>
+        <p:blipFill>
+          <a:blip r:embed="rId5">
+            <a:extLst>
+              <a:ext uri="{28A0092B-C50C-407E-A947-70E740481C1C}">
+                <a14:useLocalDpi xmlns:a14="http://schemas.microsoft.com/office/drawing/2010/main" val="0"/>
+              </a:ext>
+            </a:extLst>
+          </a:blip>
+          <a:stretch>
+            <a:fillRect/>
+          </a:stretch>
+        </p:blipFill>
+        <p:spPr>
+          <a:xfrm>
+            <a:off x="6880608" y="4198086"/>
+            <a:ext cx="1219202" cy="445009"/>
+          </a:xfrm>
+          <a:prstGeom prst="rect">
+            <a:avLst/>
+          </a:prstGeom>
+        </p:spPr>
+      </p:pic>
+      <p:pic>
+        <p:nvPicPr>
+          <p:cNvPr id="13" name="그림 12">
+            <a:extLst>
+              <a:ext uri="{FF2B5EF4-FFF2-40B4-BE49-F238E27FC236}">
+                <a16:creationId xmlns:a16="http://schemas.microsoft.com/office/drawing/2014/main" id="{5FFCFB76-EAA4-43CF-9335-3B5E86545F5E}"/>
+              </a:ext>
+            </a:extLst>
+          </p:cNvPr>
+          <p:cNvPicPr>
+            <a:picLocks noChangeAspect="1"/>
+          </p:cNvPicPr>
+          <p:nvPr/>
+        </p:nvPicPr>
+        <p:blipFill>
+          <a:blip r:embed="rId6">
+            <a:extLst>
+              <a:ext uri="{28A0092B-C50C-407E-A947-70E740481C1C}">
+                <a14:useLocalDpi xmlns:a14="http://schemas.microsoft.com/office/drawing/2010/main" val="0"/>
+              </a:ext>
+            </a:extLst>
+          </a:blip>
+          <a:stretch>
+            <a:fillRect/>
+          </a:stretch>
+        </p:blipFill>
+        <p:spPr>
+          <a:xfrm>
+            <a:off x="2706356" y="1714058"/>
+            <a:ext cx="6779288" cy="1138920"/>
+          </a:xfrm>
+          <a:prstGeom prst="rect">
+            <a:avLst/>
+          </a:prstGeom>
+        </p:spPr>
+      </p:pic>
+      <p:sp>
+        <p:nvSpPr>
+          <p:cNvPr id="14" name="사각형: 둥근 모서리 13">
+            <a:extLst>
+              <a:ext uri="{FF2B5EF4-FFF2-40B4-BE49-F238E27FC236}">
+                <a16:creationId xmlns:a16="http://schemas.microsoft.com/office/drawing/2014/main" id="{C9A5620B-09CD-4E99-95D7-A71D3B0AB455}"/>
+              </a:ext>
+            </a:extLst>
+          </p:cNvPr>
+          <p:cNvSpPr/>
+          <p:nvPr/>
+        </p:nvSpPr>
+        <p:spPr>
+          <a:xfrm>
+            <a:off x="3793402" y="3626098"/>
+            <a:ext cx="4399984" cy="1479624"/>
+          </a:xfrm>
+          <a:prstGeom prst="roundRect">
+            <a:avLst/>
+          </a:prstGeom>
+          <a:noFill/>
+          <a:ln w="38100">
+            <a:solidFill>
+              <a:schemeClr val="accent1">
+                <a:lumMod val="75000"/>
+              </a:schemeClr>
+            </a:solidFill>
+          </a:ln>
+        </p:spPr>
+        <p:style>
+          <a:lnRef idx="2">
+            <a:schemeClr val="accent1">
+              <a:shade val="50000"/>
+            </a:schemeClr>
+          </a:lnRef>
+          <a:fillRef idx="1">
+            <a:schemeClr val="accent1"/>
+          </a:fillRef>
+          <a:effectRef idx="0">
+            <a:schemeClr val="accent1"/>
+          </a:effectRef>
+          <a:fontRef idx="minor">
+            <a:schemeClr val="lt1"/>
+          </a:fontRef>
+        </p:style>
+        <p:txBody>
+          <a:bodyPr rtlCol="0" anchor="ctr"/>
+          <a:lstStyle/>
+          <a:p>
+            <a:pPr algn="ctr"/>
+            <a:endParaRPr lang="ko-KR" altLang="en-US"/>
+          </a:p>
+        </p:txBody>
+      </p:sp>
+      <p:cxnSp>
+        <p:nvCxnSpPr>
+          <p:cNvPr id="16" name="직선 화살표 연결선 15">
+            <a:extLst>
+              <a:ext uri="{FF2B5EF4-FFF2-40B4-BE49-F238E27FC236}">
+                <a16:creationId xmlns:a16="http://schemas.microsoft.com/office/drawing/2014/main" id="{769CBB68-6384-4C39-BAF6-31E7408A00DD}"/>
+              </a:ext>
+            </a:extLst>
+          </p:cNvPr>
+          <p:cNvCxnSpPr>
+            <a:stCxn id="14" idx="0"/>
+          </p:cNvCxnSpPr>
+          <p:nvPr/>
+        </p:nvCxnSpPr>
+        <p:spPr>
+          <a:xfrm flipV="1">
+            <a:off x="5993394" y="3032911"/>
+            <a:ext cx="0" cy="593187"/>
+          </a:xfrm>
+          <a:prstGeom prst="straightConnector1">
+            <a:avLst/>
+          </a:prstGeom>
+          <a:ln w="38100">
+            <a:solidFill>
+              <a:schemeClr val="accent1">
+                <a:lumMod val="75000"/>
+              </a:schemeClr>
+            </a:solidFill>
+            <a:tailEnd type="triangle"/>
+          </a:ln>
+        </p:spPr>
+        <p:style>
+          <a:lnRef idx="1">
+            <a:schemeClr val="accent1"/>
+          </a:lnRef>
+          <a:fillRef idx="0">
+            <a:schemeClr val="accent1"/>
+          </a:fillRef>
+          <a:effectRef idx="0">
+            <a:schemeClr val="accent1"/>
+          </a:effectRef>
+          <a:fontRef idx="minor">
+            <a:schemeClr val="tx1"/>
+          </a:fontRef>
+        </p:style>
+      </p:cxnSp>
     </p:spTree>
     <p:extLst>
       <p:ext uri="{BB962C8B-B14F-4D97-AF65-F5344CB8AC3E}">
-        <p14:creationId xmlns:p14="http://schemas.microsoft.com/office/powerpoint/2010/main" val="1811722007"/>
+        <p14:creationId xmlns:p14="http://schemas.microsoft.com/office/powerpoint/2010/main" val="2598809135"/>
       </p:ext>
     </p:extLst>
   </p:cSld>
